--- a/kopo08_20210413_JAVA ExchangeMoney.pptx
+++ b/kopo08_20210413_JAVA ExchangeMoney.pptx
@@ -1080,37 +1080,6 @@
       </p:grpSpPr>
       <p:pic>
         <p:nvPicPr>
-          <p:cNvPr id="2" name="그림 1"/>
-          <p:cNvPicPr>
-            <a:picLocks noChangeAspect="1"/>
-          </p:cNvPicPr>
-          <p:nvPr/>
-        </p:nvPicPr>
-        <p:blipFill>
-          <a:blip r:embed="rId2"/>
-          <a:stretch>
-            <a:fillRect/>
-          </a:stretch>
-        </p:blipFill>
-        <p:spPr>
-          <a:xfrm>
-            <a:off x="755801" y="1327759"/>
-            <a:ext cx="4943475" cy="5029200"/>
-          </a:xfrm>
-          <a:prstGeom prst="rect">
-            <a:avLst/>
-          </a:prstGeom>
-          <a:ln>
-            <a:solidFill>
-              <a:schemeClr val="bg1">
-                <a:lumMod val="85000"/>
-              </a:schemeClr>
-            </a:solidFill>
-          </a:ln>
-        </p:spPr>
-      </p:pic>
-      <p:pic>
-        <p:nvPicPr>
           <p:cNvPr id="3" name="그림 2"/>
           <p:cNvPicPr>
             <a:picLocks noChangeAspect="1"/>
@@ -1118,7 +1087,7 @@
           <p:nvPr/>
         </p:nvPicPr>
         <p:blipFill>
-          <a:blip r:embed="rId3"/>
+          <a:blip r:embed="rId2"/>
           <a:stretch>
             <a:fillRect/>
           </a:stretch>
@@ -1237,6 +1206,37 @@
           </a:p>
         </p:txBody>
       </p:sp>
+      <p:pic>
+        <p:nvPicPr>
+          <p:cNvPr id="6" name="그림 5"/>
+          <p:cNvPicPr>
+            <a:picLocks noChangeAspect="1"/>
+          </p:cNvPicPr>
+          <p:nvPr/>
+        </p:nvPicPr>
+        <p:blipFill>
+          <a:blip r:embed="rId3"/>
+          <a:stretch>
+            <a:fillRect/>
+          </a:stretch>
+        </p:blipFill>
+        <p:spPr>
+          <a:xfrm>
+            <a:off x="258951" y="1906967"/>
+            <a:ext cx="5761307" cy="3089733"/>
+          </a:xfrm>
+          <a:prstGeom prst="rect">
+            <a:avLst/>
+          </a:prstGeom>
+          <a:ln>
+            <a:solidFill>
+              <a:schemeClr val="bg1">
+                <a:lumMod val="85000"/>
+              </a:schemeClr>
+            </a:solidFill>
+          </a:ln>
+        </p:spPr>
+      </p:pic>
     </p:spTree>
     <p:extLst>
       <p:ext uri="{BB962C8B-B14F-4D97-AF65-F5344CB8AC3E}">
@@ -2919,7 +2919,7 @@
       </p:sp>
       <p:pic>
         <p:nvPicPr>
-          <p:cNvPr id="6" name="그림 5"/>
+          <p:cNvPr id="7" name="그림 6"/>
           <p:cNvPicPr>
             <a:picLocks noChangeAspect="1"/>
           </p:cNvPicPr>
@@ -2933,8 +2933,8 @@
         </p:blipFill>
         <p:spPr>
           <a:xfrm>
-            <a:off x="991980" y="776821"/>
-            <a:ext cx="4937040" cy="5573875"/>
+            <a:off x="7176631" y="958670"/>
+            <a:ext cx="4171950" cy="5210175"/>
           </a:xfrm>
           <a:prstGeom prst="rect">
             <a:avLst/>
@@ -2950,7 +2950,7 @@
       </p:pic>
       <p:pic>
         <p:nvPicPr>
-          <p:cNvPr id="7" name="그림 6"/>
+          <p:cNvPr id="2" name="그림 1"/>
           <p:cNvPicPr>
             <a:picLocks noChangeAspect="1"/>
           </p:cNvPicPr>
@@ -2964,8 +2964,8 @@
         </p:blipFill>
         <p:spPr>
           <a:xfrm>
-            <a:off x="7176631" y="958670"/>
-            <a:ext cx="4171950" cy="5210175"/>
+            <a:off x="600390" y="870926"/>
+            <a:ext cx="5199306" cy="5385661"/>
           </a:xfrm>
           <a:prstGeom prst="rect">
             <a:avLst/>

--- a/kopo08_20210413_JAVA ExchangeMoney.pptx
+++ b/kopo08_20210413_JAVA ExchangeMoney.pptx
@@ -1767,7 +1767,7 @@
           <p:cNvPr id="16" name="TextBox 15">
             <a:extLst>
               <a:ext uri="{FF2B5EF4-FFF2-40B4-BE49-F238E27FC236}">
-                <a16:creationId xmlns="" xmlns:a16="http://schemas.microsoft.com/office/drawing/2014/main" id="{F62E3976-4F1B-411F-9987-3BEB4446CF56}"/>
+                <a16:creationId xmlns:a16="http://schemas.microsoft.com/office/drawing/2014/main" xmlns="" id="{F62E3976-4F1B-411F-9987-3BEB4446CF56}"/>
               </a:ext>
             </a:extLst>
           </p:cNvPr>
@@ -1838,7 +1838,7 @@
           <p:cNvPr id="17" name="TextBox 16">
             <a:extLst>
               <a:ext uri="{FF2B5EF4-FFF2-40B4-BE49-F238E27FC236}">
-                <a16:creationId xmlns="" xmlns:a16="http://schemas.microsoft.com/office/drawing/2014/main" id="{5D215672-B6B7-4719-B234-B96E71CD39FF}"/>
+                <a16:creationId xmlns:a16="http://schemas.microsoft.com/office/drawing/2014/main" xmlns="" id="{5D215672-B6B7-4719-B234-B96E71CD39FF}"/>
               </a:ext>
             </a:extLst>
           </p:cNvPr>
@@ -1880,7 +1880,7 @@
           <p:cNvPr id="18" name="TextBox 17">
             <a:extLst>
               <a:ext uri="{FF2B5EF4-FFF2-40B4-BE49-F238E27FC236}">
-                <a16:creationId xmlns="" xmlns:a16="http://schemas.microsoft.com/office/drawing/2014/main" id="{3D525DA8-89E4-4682-A4F3-8AEDD6E9317A}"/>
+                <a16:creationId xmlns:a16="http://schemas.microsoft.com/office/drawing/2014/main" xmlns="" id="{3D525DA8-89E4-4682-A4F3-8AEDD6E9317A}"/>
               </a:ext>
             </a:extLst>
           </p:cNvPr>
@@ -1963,7 +1963,7 @@
           <p:cNvPr id="19" name="TextBox 18">
             <a:extLst>
               <a:ext uri="{FF2B5EF4-FFF2-40B4-BE49-F238E27FC236}">
-                <a16:creationId xmlns="" xmlns:a16="http://schemas.microsoft.com/office/drawing/2014/main" id="{3788C121-A2B0-47F9-A815-EDE5F1855622}"/>
+                <a16:creationId xmlns:a16="http://schemas.microsoft.com/office/drawing/2014/main" xmlns="" id="{3788C121-A2B0-47F9-A815-EDE5F1855622}"/>
               </a:ext>
             </a:extLst>
           </p:cNvPr>
@@ -2201,7 +2201,7 @@
           <p:cNvPr id="5" name="TextBox 4">
             <a:extLst>
               <a:ext uri="{FF2B5EF4-FFF2-40B4-BE49-F238E27FC236}">
-                <a16:creationId xmlns="" xmlns:a16="http://schemas.microsoft.com/office/drawing/2014/main" id="{70C460D9-CCF6-4F57-9870-72845A3703EA}"/>
+                <a16:creationId xmlns:a16="http://schemas.microsoft.com/office/drawing/2014/main" xmlns="" id="{70C460D9-CCF6-4F57-9870-72845A3703EA}"/>
               </a:ext>
             </a:extLst>
           </p:cNvPr>
@@ -2300,7 +2300,7 @@
       </p:sp>
       <p:pic>
         <p:nvPicPr>
-          <p:cNvPr id="2" name="그림 1"/>
+          <p:cNvPr id="3" name="그림 2"/>
           <p:cNvPicPr>
             <a:picLocks noChangeAspect="1"/>
           </p:cNvPicPr>
@@ -2314,8 +2314,8 @@
         </p:blipFill>
         <p:spPr>
           <a:xfrm>
-            <a:off x="753192" y="1150894"/>
-            <a:ext cx="6484122" cy="4999386"/>
+            <a:off x="1016341" y="1469997"/>
+            <a:ext cx="5267325" cy="4181475"/>
           </a:xfrm>
           <a:prstGeom prst="rect">
             <a:avLst/>
@@ -2395,7 +2395,7 @@
           <p:cNvPr id="6" name="TextBox 5">
             <a:extLst>
               <a:ext uri="{FF2B5EF4-FFF2-40B4-BE49-F238E27FC236}">
-                <a16:creationId xmlns="" xmlns:a16="http://schemas.microsoft.com/office/drawing/2014/main" id="{BB862ABD-4324-4BF0-8AE8-536CEEC834F3}"/>
+                <a16:creationId xmlns:a16="http://schemas.microsoft.com/office/drawing/2014/main" xmlns="" id="{BB862ABD-4324-4BF0-8AE8-536CEEC834F3}"/>
               </a:ext>
             </a:extLst>
           </p:cNvPr>
@@ -2637,7 +2637,7 @@
           <p:cNvPr id="3" name="TextBox 2">
             <a:extLst>
               <a:ext uri="{FF2B5EF4-FFF2-40B4-BE49-F238E27FC236}">
-                <a16:creationId xmlns="" xmlns:a16="http://schemas.microsoft.com/office/drawing/2014/main" id="{8CE9CB5F-6D8A-4871-83C3-1E6F6E68301C}"/>
+                <a16:creationId xmlns:a16="http://schemas.microsoft.com/office/drawing/2014/main" xmlns="" id="{8CE9CB5F-6D8A-4871-83C3-1E6F6E68301C}"/>
               </a:ext>
             </a:extLst>
           </p:cNvPr>
@@ -2674,7 +2674,7 @@
           <p:cNvPr id="5" name="TextBox 4">
             <a:extLst>
               <a:ext uri="{FF2B5EF4-FFF2-40B4-BE49-F238E27FC236}">
-                <a16:creationId xmlns="" xmlns:a16="http://schemas.microsoft.com/office/drawing/2014/main" id="{BB862ABD-4324-4BF0-8AE8-536CEEC834F3}"/>
+                <a16:creationId xmlns:a16="http://schemas.microsoft.com/office/drawing/2014/main" xmlns="" id="{BB862ABD-4324-4BF0-8AE8-536CEEC834F3}"/>
               </a:ext>
             </a:extLst>
           </p:cNvPr>
@@ -2850,7 +2850,7 @@
           <p:cNvPr id="5" name="TextBox 4">
             <a:extLst>
               <a:ext uri="{FF2B5EF4-FFF2-40B4-BE49-F238E27FC236}">
-                <a16:creationId xmlns="" xmlns:a16="http://schemas.microsoft.com/office/drawing/2014/main" id="{C1C3B139-463F-4F2F-BCC7-BF11CFF768E7}"/>
+                <a16:creationId xmlns:a16="http://schemas.microsoft.com/office/drawing/2014/main" xmlns="" id="{C1C3B139-463F-4F2F-BCC7-BF11CFF768E7}"/>
               </a:ext>
             </a:extLst>
           </p:cNvPr>
@@ -3014,7 +3014,7 @@
           <p:cNvPr id="3" name="TextBox 2">
             <a:extLst>
               <a:ext uri="{FF2B5EF4-FFF2-40B4-BE49-F238E27FC236}">
-                <a16:creationId xmlns="" xmlns:a16="http://schemas.microsoft.com/office/drawing/2014/main" id="{15C95027-1204-42AC-B1BF-81D8F66ED98C}"/>
+                <a16:creationId xmlns:a16="http://schemas.microsoft.com/office/drawing/2014/main" xmlns="" id="{15C95027-1204-42AC-B1BF-81D8F66ED98C}"/>
               </a:ext>
             </a:extLst>
           </p:cNvPr>
@@ -3051,7 +3051,7 @@
           <p:cNvPr id="4" name="TextBox 3">
             <a:extLst>
               <a:ext uri="{FF2B5EF4-FFF2-40B4-BE49-F238E27FC236}">
-                <a16:creationId xmlns="" xmlns:a16="http://schemas.microsoft.com/office/drawing/2014/main" id="{66C4F8AC-BADC-4F32-9EFC-41E4F558299C}"/>
+                <a16:creationId xmlns:a16="http://schemas.microsoft.com/office/drawing/2014/main" xmlns="" id="{66C4F8AC-BADC-4F32-9EFC-41E4F558299C}"/>
               </a:ext>
             </a:extLst>
           </p:cNvPr>

--- a/kopo08_20210413_JAVA ExchangeMoney.pptx
+++ b/kopo08_20210413_JAVA ExchangeMoney.pptx
@@ -15,6 +15,7 @@
     <p:sldId id="264" r:id="rId9"/>
     <p:sldId id="267" r:id="rId10"/>
     <p:sldId id="268" r:id="rId11"/>
+    <p:sldId id="269" r:id="rId12"/>
   </p:sldIdLst>
   <p:sldSz cx="12192000" cy="6858000"/>
   <p:notesSz cx="6858000" cy="9144000"/>
@@ -1250,6 +1251,181 @@
 </p:sld>
 </file>
 
+<file path=ppt/slides/slide11.xml><?xml version="1.0" encoding="utf-8"?>
+<p:sld xmlns:a="http://schemas.openxmlformats.org/drawingml/2006/main" xmlns:r="http://schemas.openxmlformats.org/officeDocument/2006/relationships" xmlns:p="http://schemas.openxmlformats.org/presentationml/2006/main">
+  <p:cSld>
+    <p:spTree>
+      <p:nvGrpSpPr>
+        <p:cNvPr id="1" name=""/>
+        <p:cNvGrpSpPr/>
+        <p:nvPr/>
+      </p:nvGrpSpPr>
+      <p:grpSpPr>
+        <a:xfrm>
+          <a:off x="0" y="0"/>
+          <a:ext cx="0" cy="0"/>
+          <a:chOff x="0" y="0"/>
+          <a:chExt cx="0" cy="0"/>
+        </a:xfrm>
+      </p:grpSpPr>
+      <p:pic>
+        <p:nvPicPr>
+          <p:cNvPr id="2" name="그림 1"/>
+          <p:cNvPicPr>
+            <a:picLocks noChangeAspect="1"/>
+          </p:cNvPicPr>
+          <p:nvPr/>
+        </p:nvPicPr>
+        <p:blipFill>
+          <a:blip r:embed="rId2"/>
+          <a:stretch>
+            <a:fillRect/>
+          </a:stretch>
+        </p:blipFill>
+        <p:spPr>
+          <a:xfrm>
+            <a:off x="875655" y="5034055"/>
+            <a:ext cx="11003797" cy="1299101"/>
+          </a:xfrm>
+          <a:prstGeom prst="rect">
+            <a:avLst/>
+          </a:prstGeom>
+          <a:ln>
+            <a:solidFill>
+              <a:schemeClr val="bg1">
+                <a:lumMod val="85000"/>
+              </a:schemeClr>
+            </a:solidFill>
+          </a:ln>
+        </p:spPr>
+      </p:pic>
+      <p:pic>
+        <p:nvPicPr>
+          <p:cNvPr id="3" name="그림 2"/>
+          <p:cNvPicPr>
+            <a:picLocks noChangeAspect="1"/>
+          </p:cNvPicPr>
+          <p:nvPr/>
+        </p:nvPicPr>
+        <p:blipFill>
+          <a:blip r:embed="rId3"/>
+          <a:stretch>
+            <a:fillRect/>
+          </a:stretch>
+        </p:blipFill>
+        <p:spPr>
+          <a:xfrm>
+            <a:off x="875655" y="810998"/>
+            <a:ext cx="1745679" cy="4063219"/>
+          </a:xfrm>
+          <a:prstGeom prst="rect">
+            <a:avLst/>
+          </a:prstGeom>
+        </p:spPr>
+      </p:pic>
+      <p:sp>
+        <p:nvSpPr>
+          <p:cNvPr id="4" name="TextBox 3"/>
+          <p:cNvSpPr txBox="1"/>
+          <p:nvPr/>
+        </p:nvSpPr>
+        <p:spPr>
+          <a:xfrm>
+            <a:off x="395206" y="281828"/>
+            <a:ext cx="802271" cy="369332"/>
+          </a:xfrm>
+          <a:prstGeom prst="rect">
+            <a:avLst/>
+          </a:prstGeom>
+          <a:noFill/>
+        </p:spPr>
+        <p:txBody>
+          <a:bodyPr wrap="none" rtlCol="0">
+            <a:spAutoFit/>
+          </a:bodyPr>
+          <a:lstStyle/>
+          <a:p>
+            <a:r>
+              <a:rPr lang="en-US" altLang="ko-KR" b="1" dirty="0" smtClean="0"/>
+              <a:t>result</a:t>
+            </a:r>
+            <a:endParaRPr lang="ko-KR" altLang="en-US" b="1" dirty="0"/>
+          </a:p>
+        </p:txBody>
+      </p:sp>
+      <p:sp>
+        <p:nvSpPr>
+          <p:cNvPr id="5" name="TextBox 4"/>
+          <p:cNvSpPr txBox="1"/>
+          <p:nvPr/>
+        </p:nvSpPr>
+        <p:spPr>
+          <a:xfrm>
+            <a:off x="3438040" y="1767082"/>
+            <a:ext cx="2065437" cy="369332"/>
+          </a:xfrm>
+          <a:prstGeom prst="rect">
+            <a:avLst/>
+          </a:prstGeom>
+          <a:noFill/>
+        </p:spPr>
+        <p:txBody>
+          <a:bodyPr wrap="none" rtlCol="0">
+            <a:spAutoFit/>
+          </a:bodyPr>
+          <a:lstStyle/>
+          <a:p>
+            <a:r>
+              <a:rPr lang="en-US" altLang="ko-KR" b="1" dirty="0" smtClean="0"/>
+              <a:t>&lt;- console result</a:t>
+            </a:r>
+            <a:endParaRPr lang="ko-KR" altLang="en-US" b="1" dirty="0"/>
+          </a:p>
+        </p:txBody>
+      </p:sp>
+      <p:sp>
+        <p:nvSpPr>
+          <p:cNvPr id="6" name="TextBox 5"/>
+          <p:cNvSpPr txBox="1"/>
+          <p:nvPr/>
+        </p:nvSpPr>
+        <p:spPr>
+          <a:xfrm>
+            <a:off x="6008176" y="4504885"/>
+            <a:ext cx="1650260" cy="369332"/>
+          </a:xfrm>
+          <a:prstGeom prst="rect">
+            <a:avLst/>
+          </a:prstGeom>
+          <a:noFill/>
+        </p:spPr>
+        <p:txBody>
+          <a:bodyPr wrap="none" rtlCol="0">
+            <a:spAutoFit/>
+          </a:bodyPr>
+          <a:lstStyle/>
+          <a:p>
+            <a:r>
+              <a:rPr lang="en-US" altLang="ko-KR" b="1" dirty="0" smtClean="0"/>
+              <a:t>csv file result</a:t>
+            </a:r>
+            <a:endParaRPr lang="ko-KR" altLang="en-US" b="1" dirty="0"/>
+          </a:p>
+        </p:txBody>
+      </p:sp>
+    </p:spTree>
+    <p:extLst>
+      <p:ext uri="{BB962C8B-B14F-4D97-AF65-F5344CB8AC3E}">
+        <p14:creationId xmlns:p14="http://schemas.microsoft.com/office/powerpoint/2010/main" val="897269451"/>
+      </p:ext>
+    </p:extLst>
+  </p:cSld>
+  <p:clrMapOvr>
+    <a:masterClrMapping/>
+  </p:clrMapOvr>
+</p:sld>
+</file>
+
 <file path=ppt/slides/slide2.xml><?xml version="1.0" encoding="utf-8"?>
 <p:sld xmlns:a="http://schemas.openxmlformats.org/drawingml/2006/main" xmlns:r="http://schemas.openxmlformats.org/officeDocument/2006/relationships" xmlns:p="http://schemas.openxmlformats.org/presentationml/2006/main">
   <p:cSld>
@@ -1767,7 +1943,7 @@
           <p:cNvPr id="16" name="TextBox 15">
             <a:extLst>
               <a:ext uri="{FF2B5EF4-FFF2-40B4-BE49-F238E27FC236}">
-                <a16:creationId xmlns:a16="http://schemas.microsoft.com/office/drawing/2014/main" xmlns="" id="{F62E3976-4F1B-411F-9987-3BEB4446CF56}"/>
+                <a16:creationId xmlns="" xmlns:a16="http://schemas.microsoft.com/office/drawing/2014/main" id="{F62E3976-4F1B-411F-9987-3BEB4446CF56}"/>
               </a:ext>
             </a:extLst>
           </p:cNvPr>
@@ -1838,7 +2014,7 @@
           <p:cNvPr id="17" name="TextBox 16">
             <a:extLst>
               <a:ext uri="{FF2B5EF4-FFF2-40B4-BE49-F238E27FC236}">
-                <a16:creationId xmlns:a16="http://schemas.microsoft.com/office/drawing/2014/main" xmlns="" id="{5D215672-B6B7-4719-B234-B96E71CD39FF}"/>
+                <a16:creationId xmlns="" xmlns:a16="http://schemas.microsoft.com/office/drawing/2014/main" id="{5D215672-B6B7-4719-B234-B96E71CD39FF}"/>
               </a:ext>
             </a:extLst>
           </p:cNvPr>
@@ -1880,7 +2056,7 @@
           <p:cNvPr id="18" name="TextBox 17">
             <a:extLst>
               <a:ext uri="{FF2B5EF4-FFF2-40B4-BE49-F238E27FC236}">
-                <a16:creationId xmlns:a16="http://schemas.microsoft.com/office/drawing/2014/main" xmlns="" id="{3D525DA8-89E4-4682-A4F3-8AEDD6E9317A}"/>
+                <a16:creationId xmlns="" xmlns:a16="http://schemas.microsoft.com/office/drawing/2014/main" id="{3D525DA8-89E4-4682-A4F3-8AEDD6E9317A}"/>
               </a:ext>
             </a:extLst>
           </p:cNvPr>
@@ -1963,7 +2139,7 @@
           <p:cNvPr id="19" name="TextBox 18">
             <a:extLst>
               <a:ext uri="{FF2B5EF4-FFF2-40B4-BE49-F238E27FC236}">
-                <a16:creationId xmlns:a16="http://schemas.microsoft.com/office/drawing/2014/main" xmlns="" id="{3788C121-A2B0-47F9-A815-EDE5F1855622}"/>
+                <a16:creationId xmlns="" xmlns:a16="http://schemas.microsoft.com/office/drawing/2014/main" id="{3788C121-A2B0-47F9-A815-EDE5F1855622}"/>
               </a:ext>
             </a:extLst>
           </p:cNvPr>
@@ -2201,7 +2377,7 @@
           <p:cNvPr id="5" name="TextBox 4">
             <a:extLst>
               <a:ext uri="{FF2B5EF4-FFF2-40B4-BE49-F238E27FC236}">
-                <a16:creationId xmlns:a16="http://schemas.microsoft.com/office/drawing/2014/main" xmlns="" id="{70C460D9-CCF6-4F57-9870-72845A3703EA}"/>
+                <a16:creationId xmlns="" xmlns:a16="http://schemas.microsoft.com/office/drawing/2014/main" id="{70C460D9-CCF6-4F57-9870-72845A3703EA}"/>
               </a:ext>
             </a:extLst>
           </p:cNvPr>
@@ -2300,7 +2476,7 @@
       </p:sp>
       <p:pic>
         <p:nvPicPr>
-          <p:cNvPr id="3" name="그림 2"/>
+          <p:cNvPr id="2" name="그림 1"/>
           <p:cNvPicPr>
             <a:picLocks noChangeAspect="1"/>
           </p:cNvPicPr>
@@ -2314,8 +2490,8 @@
         </p:blipFill>
         <p:spPr>
           <a:xfrm>
-            <a:off x="1016341" y="1469997"/>
-            <a:ext cx="5267325" cy="4181475"/>
+            <a:off x="620417" y="1668490"/>
+            <a:ext cx="5619750" cy="4171950"/>
           </a:xfrm>
           <a:prstGeom prst="rect">
             <a:avLst/>
@@ -2395,7 +2571,7 @@
           <p:cNvPr id="6" name="TextBox 5">
             <a:extLst>
               <a:ext uri="{FF2B5EF4-FFF2-40B4-BE49-F238E27FC236}">
-                <a16:creationId xmlns:a16="http://schemas.microsoft.com/office/drawing/2014/main" xmlns="" id="{BB862ABD-4324-4BF0-8AE8-536CEEC834F3}"/>
+                <a16:creationId xmlns="" xmlns:a16="http://schemas.microsoft.com/office/drawing/2014/main" id="{BB862ABD-4324-4BF0-8AE8-536CEEC834F3}"/>
               </a:ext>
             </a:extLst>
           </p:cNvPr>
@@ -2637,7 +2813,7 @@
           <p:cNvPr id="3" name="TextBox 2">
             <a:extLst>
               <a:ext uri="{FF2B5EF4-FFF2-40B4-BE49-F238E27FC236}">
-                <a16:creationId xmlns:a16="http://schemas.microsoft.com/office/drawing/2014/main" xmlns="" id="{8CE9CB5F-6D8A-4871-83C3-1E6F6E68301C}"/>
+                <a16:creationId xmlns="" xmlns:a16="http://schemas.microsoft.com/office/drawing/2014/main" id="{8CE9CB5F-6D8A-4871-83C3-1E6F6E68301C}"/>
               </a:ext>
             </a:extLst>
           </p:cNvPr>
@@ -2674,7 +2850,7 @@
           <p:cNvPr id="5" name="TextBox 4">
             <a:extLst>
               <a:ext uri="{FF2B5EF4-FFF2-40B4-BE49-F238E27FC236}">
-                <a16:creationId xmlns:a16="http://schemas.microsoft.com/office/drawing/2014/main" xmlns="" id="{BB862ABD-4324-4BF0-8AE8-536CEEC834F3}"/>
+                <a16:creationId xmlns="" xmlns:a16="http://schemas.microsoft.com/office/drawing/2014/main" id="{BB862ABD-4324-4BF0-8AE8-536CEEC834F3}"/>
               </a:ext>
             </a:extLst>
           </p:cNvPr>
@@ -2850,7 +3026,7 @@
           <p:cNvPr id="5" name="TextBox 4">
             <a:extLst>
               <a:ext uri="{FF2B5EF4-FFF2-40B4-BE49-F238E27FC236}">
-                <a16:creationId xmlns:a16="http://schemas.microsoft.com/office/drawing/2014/main" xmlns="" id="{C1C3B139-463F-4F2F-BCC7-BF11CFF768E7}"/>
+                <a16:creationId xmlns="" xmlns:a16="http://schemas.microsoft.com/office/drawing/2014/main" id="{C1C3B139-463F-4F2F-BCC7-BF11CFF768E7}"/>
               </a:ext>
             </a:extLst>
           </p:cNvPr>
@@ -3014,7 +3190,7 @@
           <p:cNvPr id="3" name="TextBox 2">
             <a:extLst>
               <a:ext uri="{FF2B5EF4-FFF2-40B4-BE49-F238E27FC236}">
-                <a16:creationId xmlns:a16="http://schemas.microsoft.com/office/drawing/2014/main" xmlns="" id="{15C95027-1204-42AC-B1BF-81D8F66ED98C}"/>
+                <a16:creationId xmlns="" xmlns:a16="http://schemas.microsoft.com/office/drawing/2014/main" id="{15C95027-1204-42AC-B1BF-81D8F66ED98C}"/>
               </a:ext>
             </a:extLst>
           </p:cNvPr>
@@ -3051,7 +3227,7 @@
           <p:cNvPr id="4" name="TextBox 3">
             <a:extLst>
               <a:ext uri="{FF2B5EF4-FFF2-40B4-BE49-F238E27FC236}">
-                <a16:creationId xmlns:a16="http://schemas.microsoft.com/office/drawing/2014/main" xmlns="" id="{66C4F8AC-BADC-4F32-9EFC-41E4F558299C}"/>
+                <a16:creationId xmlns="" xmlns:a16="http://schemas.microsoft.com/office/drawing/2014/main" id="{66C4F8AC-BADC-4F32-9EFC-41E4F558299C}"/>
               </a:ext>
             </a:extLst>
           </p:cNvPr>
